--- a/DesignDoc.pptx
+++ b/DesignDoc.pptx
@@ -109,6 +109,11 @@
       </a:defRPr>
     </a:lvl9pPr>
   </p:defaultTextStyle>
+  <p:extLst>
+    <p:ext uri="{EFAFB233-063F-42B5-8137-9DF3F51BA10A}">
+      <p15:sldGuideLst xmlns:p15="http://schemas.microsoft.com/office/powerpoint/2012/main"/>
+    </p:ext>
+  </p:extLst>
 </p:presentation>
 </file>
 
@@ -207,7 +212,7 @@
           <a:effectLst/>
           <a:extLst>
             <a:ext uri="{91240B29-F687-4f45-9708-019B960494DF}">
-              <a14:hiddenLine xmlns:a14="http://schemas.microsoft.com/office/drawing/2010/main" xmlns="" w="9525">
+              <a14:hiddenLine xmlns="" xmlns:a14="http://schemas.microsoft.com/office/drawing/2010/main" w="9525">
                 <a:solidFill>
                   <a:srgbClr val="000000"/>
                 </a:solidFill>
@@ -1717,7 +1722,7 @@
           <a:ln/>
           <a:extLst>
             <a:ext uri="{91240B29-F687-4f45-9708-019B960494DF}">
-              <a14:hiddenLine xmlns:a14="http://schemas.microsoft.com/office/drawing/2010/main" xmlns="" w="9525">
+              <a14:hiddenLine xmlns="" xmlns:a14="http://schemas.microsoft.com/office/drawing/2010/main" w="9525">
                 <a:solidFill>
                   <a:srgbClr val="000000"/>
                 </a:solidFill>
@@ -1989,7 +1994,7 @@
           <a:ln/>
           <a:extLst>
             <a:ext uri="{91240B29-F687-4f45-9708-019B960494DF}">
-              <a14:hiddenLine xmlns:a14="http://schemas.microsoft.com/office/drawing/2010/main" xmlns="" w="9525">
+              <a14:hiddenLine xmlns="" xmlns:a14="http://schemas.microsoft.com/office/drawing/2010/main" w="9525">
                 <a:solidFill>
                   <a:srgbClr val="000000"/>
                 </a:solidFill>
@@ -2269,7 +2274,7 @@
           <a:ln/>
           <a:extLst>
             <a:ext uri="{91240B29-F687-4f45-9708-019B960494DF}">
-              <a14:hiddenLine xmlns:a14="http://schemas.microsoft.com/office/drawing/2010/main" xmlns="" w="9525">
+              <a14:hiddenLine xmlns="" xmlns:a14="http://schemas.microsoft.com/office/drawing/2010/main" w="9525">
                 <a:solidFill>
                   <a:srgbClr val="000000"/>
                 </a:solidFill>
@@ -2889,7 +2894,7 @@
           <a:ln/>
           <a:extLst>
             <a:ext uri="{91240B29-F687-4f45-9708-019B960494DF}">
-              <a14:hiddenLine xmlns:a14="http://schemas.microsoft.com/office/drawing/2010/main" xmlns="" w="9525">
+              <a14:hiddenLine xmlns="" xmlns:a14="http://schemas.microsoft.com/office/drawing/2010/main" w="9525">
                 <a:solidFill>
                   <a:srgbClr val="000000"/>
                 </a:solidFill>
@@ -3225,7 +3230,7 @@
           <a:ln/>
           <a:extLst>
             <a:ext uri="{91240B29-F687-4f45-9708-019B960494DF}">
-              <a14:hiddenLine xmlns:a14="http://schemas.microsoft.com/office/drawing/2010/main" xmlns="" w="9525">
+              <a14:hiddenLine xmlns="" xmlns:a14="http://schemas.microsoft.com/office/drawing/2010/main" w="9525">
                 <a:solidFill>
                   <a:srgbClr val="000000"/>
                 </a:solidFill>
@@ -3699,7 +3704,7 @@
           <a:ln/>
           <a:extLst>
             <a:ext uri="{91240B29-F687-4f45-9708-019B960494DF}">
-              <a14:hiddenLine xmlns:a14="http://schemas.microsoft.com/office/drawing/2010/main" xmlns="" w="9525">
+              <a14:hiddenLine xmlns="" xmlns:a14="http://schemas.microsoft.com/office/drawing/2010/main" w="9525">
                 <a:solidFill>
                   <a:srgbClr val="000000"/>
                 </a:solidFill>
@@ -4122,7 +4127,7 @@
           <a:ln/>
           <a:extLst>
             <a:ext uri="{91240B29-F687-4f45-9708-019B960494DF}">
-              <a14:hiddenLine xmlns:a14="http://schemas.microsoft.com/office/drawing/2010/main" xmlns="" w="9525">
+              <a14:hiddenLine xmlns="" xmlns:a14="http://schemas.microsoft.com/office/drawing/2010/main" w="9525">
                 <a:solidFill>
                   <a:srgbClr val="000000"/>
                 </a:solidFill>
@@ -5948,7 +5953,7 @@
         <p:spPr>
           <a:xfrm>
             <a:off x="818712" y="1981200"/>
-            <a:ext cx="10554574" cy="4876799"/>
+            <a:ext cx="11373288" cy="4876799"/>
           </a:xfrm>
         </p:spPr>
         <p:txBody>
@@ -5967,6 +5972,12 @@
             <a:r>
               <a:rPr lang="en-US" dirty="0"/>
               <a:t>Common: Where until classes, Kit and Location Data Objects resides. REST and Service depends on Common.</a:t>
+            </a:r>
+          </a:p>
+          <a:p>
+            <a:r>
+              <a:rPr lang="en-US" dirty="0"/>
+              <a:t>REST Layer depends on Service Layer</a:t>
             </a:r>
           </a:p>
           <a:p>
@@ -5988,7 +5999,7 @@
         </p:nvSpPr>
         <p:spPr>
           <a:xfrm>
-            <a:off x="4857315" y="4615125"/>
+            <a:off x="7701595" y="4481214"/>
             <a:ext cx="1709059" cy="914400"/>
           </a:xfrm>
           <a:prstGeom prst="ellipse">
@@ -6037,7 +6048,7 @@
         </p:nvSpPr>
         <p:spPr>
           <a:xfrm>
-            <a:off x="2910647" y="5848493"/>
+            <a:off x="6065095" y="5831412"/>
             <a:ext cx="1799342" cy="914400"/>
           </a:xfrm>
           <a:prstGeom prst="ellipse">
@@ -6086,7 +6097,7 @@
         </p:nvSpPr>
         <p:spPr>
           <a:xfrm>
-            <a:off x="6710996" y="5848493"/>
+            <a:off x="9952888" y="5831412"/>
             <a:ext cx="1981198" cy="914400"/>
           </a:xfrm>
           <a:prstGeom prst="ellipse">
@@ -6139,8 +6150,8 @@
         </p:nvCxnSpPr>
         <p:spPr>
           <a:xfrm flipV="1">
-            <a:off x="3810318" y="5395614"/>
-            <a:ext cx="1297283" cy="452879"/>
+            <a:off x="6964766" y="5261703"/>
+            <a:ext cx="987115" cy="569709"/>
           </a:xfrm>
           <a:prstGeom prst="straightConnector1">
             <a:avLst/>
@@ -6182,8 +6193,100 @@
         </p:nvCxnSpPr>
         <p:spPr>
           <a:xfrm flipH="1" flipV="1">
-            <a:off x="6316088" y="5395614"/>
-            <a:ext cx="1385507" cy="452879"/>
+            <a:off x="9160368" y="5261703"/>
+            <a:ext cx="1783119" cy="569709"/>
+          </a:xfrm>
+          <a:prstGeom prst="straightConnector1">
+            <a:avLst/>
+          </a:prstGeom>
+          <a:ln>
+            <a:tailEnd type="triangle"/>
+          </a:ln>
+        </p:spPr>
+        <p:style>
+          <a:lnRef idx="1">
+            <a:schemeClr val="accent1"/>
+          </a:lnRef>
+          <a:fillRef idx="0">
+            <a:schemeClr val="accent1"/>
+          </a:fillRef>
+          <a:effectRef idx="0">
+            <a:schemeClr val="accent1"/>
+          </a:effectRef>
+          <a:fontRef idx="minor">
+            <a:schemeClr val="tx1"/>
+          </a:fontRef>
+        </p:style>
+      </p:cxnSp>
+      <p:sp>
+        <p:nvSpPr>
+          <p:cNvPr id="13" name="Oval 12">
+            <a:extLst>
+              <a:ext uri="{FF2B5EF4-FFF2-40B4-BE49-F238E27FC236}">
+                <a16:creationId xmlns:a16="http://schemas.microsoft.com/office/drawing/2014/main" id="{A8EAEF06-3A5E-4C6B-BD31-BD6DFCD92E66}"/>
+              </a:ext>
+            </a:extLst>
+          </p:cNvPr>
+          <p:cNvSpPr/>
+          <p:nvPr/>
+        </p:nvSpPr>
+        <p:spPr>
+          <a:xfrm>
+            <a:off x="2092398" y="5831412"/>
+            <a:ext cx="1799341" cy="914400"/>
+          </a:xfrm>
+          <a:prstGeom prst="ellipse">
+            <a:avLst/>
+          </a:prstGeom>
+        </p:spPr>
+        <p:style>
+          <a:lnRef idx="2">
+            <a:schemeClr val="accent1">
+              <a:shade val="50000"/>
+            </a:schemeClr>
+          </a:lnRef>
+          <a:fillRef idx="1">
+            <a:schemeClr val="accent1"/>
+          </a:fillRef>
+          <a:effectRef idx="0">
+            <a:schemeClr val="accent1"/>
+          </a:effectRef>
+          <a:fontRef idx="minor">
+            <a:schemeClr val="lt1"/>
+          </a:fontRef>
+        </p:style>
+        <p:txBody>
+          <a:bodyPr rtlCol="0" anchor="ctr"/>
+          <a:lstStyle/>
+          <a:p>
+            <a:pPr algn="ctr"/>
+            <a:r>
+              <a:rPr lang="en-US" dirty="0"/>
+              <a:t>Service</a:t>
+            </a:r>
+          </a:p>
+        </p:txBody>
+      </p:sp>
+      <p:cxnSp>
+        <p:nvCxnSpPr>
+          <p:cNvPr id="15" name="Straight Arrow Connector 14">
+            <a:extLst>
+              <a:ext uri="{FF2B5EF4-FFF2-40B4-BE49-F238E27FC236}">
+                <a16:creationId xmlns:a16="http://schemas.microsoft.com/office/drawing/2014/main" id="{DF096DCC-3B24-4E1B-826B-5D9AC0AFF468}"/>
+              </a:ext>
+            </a:extLst>
+          </p:cNvPr>
+          <p:cNvCxnSpPr>
+            <a:cxnSpLocks/>
+            <a:stCxn id="6" idx="2"/>
+            <a:endCxn id="13" idx="6"/>
+          </p:cNvCxnSpPr>
+          <p:nvPr/>
+        </p:nvCxnSpPr>
+        <p:spPr>
+          <a:xfrm flipH="1">
+            <a:off x="3891739" y="6288612"/>
+            <a:ext cx="2173356" cy="0"/>
           </a:xfrm>
           <a:prstGeom prst="straightConnector1">
             <a:avLst/>
